--- a/Chap/Start/Presentations/StatementsSyntax.pptx
+++ b/Chap/Start/Presentations/StatementsSyntax.pptx
@@ -255,7 +255,7 @@
           <a:p>
             <a:fld id="{E15B7D8E-2A20-4C0E-991C-872DBB7459A8}" type="datetimeFigureOut">
               <a:rPr lang="da-DK" smtClean="0"/>
-              <a:t>12-08-2022</a:t>
+              <a:t>04-09-2022</a:t>
             </a:fld>
             <a:endParaRPr lang="da-DK"/>
           </a:p>
@@ -423,7 +423,7 @@
           <a:p>
             <a:fld id="{E15B7D8E-2A20-4C0E-991C-872DBB7459A8}" type="datetimeFigureOut">
               <a:rPr lang="da-DK" smtClean="0"/>
-              <a:t>12-08-2022</a:t>
+              <a:t>04-09-2022</a:t>
             </a:fld>
             <a:endParaRPr lang="da-DK"/>
           </a:p>
@@ -601,7 +601,7 @@
           <a:p>
             <a:fld id="{E15B7D8E-2A20-4C0E-991C-872DBB7459A8}" type="datetimeFigureOut">
               <a:rPr lang="da-DK" smtClean="0"/>
-              <a:t>12-08-2022</a:t>
+              <a:t>04-09-2022</a:t>
             </a:fld>
             <a:endParaRPr lang="da-DK"/>
           </a:p>
@@ -769,7 +769,7 @@
           <a:p>
             <a:fld id="{E15B7D8E-2A20-4C0E-991C-872DBB7459A8}" type="datetimeFigureOut">
               <a:rPr lang="da-DK" smtClean="0"/>
-              <a:t>12-08-2022</a:t>
+              <a:t>04-09-2022</a:t>
             </a:fld>
             <a:endParaRPr lang="da-DK"/>
           </a:p>
@@ -1014,7 +1014,7 @@
           <a:p>
             <a:fld id="{E15B7D8E-2A20-4C0E-991C-872DBB7459A8}" type="datetimeFigureOut">
               <a:rPr lang="da-DK" smtClean="0"/>
-              <a:t>12-08-2022</a:t>
+              <a:t>04-09-2022</a:t>
             </a:fld>
             <a:endParaRPr lang="da-DK"/>
           </a:p>
@@ -1243,7 +1243,7 @@
           <a:p>
             <a:fld id="{E15B7D8E-2A20-4C0E-991C-872DBB7459A8}" type="datetimeFigureOut">
               <a:rPr lang="da-DK" smtClean="0"/>
-              <a:t>12-08-2022</a:t>
+              <a:t>04-09-2022</a:t>
             </a:fld>
             <a:endParaRPr lang="da-DK"/>
           </a:p>
@@ -1607,7 +1607,7 @@
           <a:p>
             <a:fld id="{E15B7D8E-2A20-4C0E-991C-872DBB7459A8}" type="datetimeFigureOut">
               <a:rPr lang="da-DK" smtClean="0"/>
-              <a:t>12-08-2022</a:t>
+              <a:t>04-09-2022</a:t>
             </a:fld>
             <a:endParaRPr lang="da-DK"/>
           </a:p>
@@ -1724,7 +1724,7 @@
           <a:p>
             <a:fld id="{E15B7D8E-2A20-4C0E-991C-872DBB7459A8}" type="datetimeFigureOut">
               <a:rPr lang="da-DK" smtClean="0"/>
-              <a:t>12-08-2022</a:t>
+              <a:t>04-09-2022</a:t>
             </a:fld>
             <a:endParaRPr lang="da-DK"/>
           </a:p>
@@ -1819,7 +1819,7 @@
           <a:p>
             <a:fld id="{E15B7D8E-2A20-4C0E-991C-872DBB7459A8}" type="datetimeFigureOut">
               <a:rPr lang="da-DK" smtClean="0"/>
-              <a:t>12-08-2022</a:t>
+              <a:t>04-09-2022</a:t>
             </a:fld>
             <a:endParaRPr lang="da-DK"/>
           </a:p>
@@ -2094,7 +2094,7 @@
           <a:p>
             <a:fld id="{E15B7D8E-2A20-4C0E-991C-872DBB7459A8}" type="datetimeFigureOut">
               <a:rPr lang="da-DK" smtClean="0"/>
-              <a:t>12-08-2022</a:t>
+              <a:t>04-09-2022</a:t>
             </a:fld>
             <a:endParaRPr lang="da-DK"/>
           </a:p>
@@ -2346,7 +2346,7 @@
           <a:p>
             <a:fld id="{E15B7D8E-2A20-4C0E-991C-872DBB7459A8}" type="datetimeFigureOut">
               <a:rPr lang="da-DK" smtClean="0"/>
-              <a:t>12-08-2022</a:t>
+              <a:t>04-09-2022</a:t>
             </a:fld>
             <a:endParaRPr lang="da-DK"/>
           </a:p>
@@ -2557,7 +2557,7 @@
           <a:p>
             <a:fld id="{E15B7D8E-2A20-4C0E-991C-872DBB7459A8}" type="datetimeFigureOut">
               <a:rPr lang="da-DK" smtClean="0"/>
-              <a:t>12-08-2022</a:t>
+              <a:t>04-09-2022</a:t>
             </a:fld>
             <a:endParaRPr lang="da-DK"/>
           </a:p>
@@ -5476,7 +5476,7 @@
           <a:lstStyle/>
           <a:p>
             <a:r>
-              <a:rPr lang="en-US" sz="3600" b="1" dirty="0" err="1">
+              <a:rPr lang="en-US" sz="3600" b="1" dirty="0">
                 <a:solidFill>
                   <a:schemeClr val="accent6">
                     <a:lumMod val="75000"/>
@@ -5487,16 +5487,10 @@
               <a:t>Console</a:t>
             </a:r>
             <a:r>
-              <a:rPr lang="en-US" sz="3600" b="1" dirty="0" err="1">
-                <a:latin typeface="Consolas" panose="020B0609020204030204" pitchFamily="49" charset="0"/>
-              </a:rPr>
-              <a:t>.WriteLine</a:t>
-            </a:r>
-            <a:r>
               <a:rPr lang="en-US" sz="3600" b="1" dirty="0">
                 <a:latin typeface="Consolas" panose="020B0609020204030204" pitchFamily="49" charset="0"/>
               </a:rPr>
-              <a:t>(</a:t>
+              <a:t>.WriteLine(</a:t>
             </a:r>
             <a:r>
               <a:rPr lang="en-US" sz="3600" b="1" dirty="0">
@@ -5505,7 +5499,7 @@
                 </a:solidFill>
                 <a:latin typeface="Consolas" panose="020B0609020204030204" pitchFamily="49" charset="0"/>
               </a:rPr>
-              <a:t>" Hello, World!"</a:t>
+              <a:t>"Hello, World!"</a:t>
             </a:r>
             <a:r>
               <a:rPr lang="en-US" sz="3600" b="1" dirty="0">

--- a/Chap/Start/Presentations/StatementsSyntax.pptx
+++ b/Chap/Start/Presentations/StatementsSyntax.pptx
@@ -255,7 +255,7 @@
           <a:p>
             <a:fld id="{E15B7D8E-2A20-4C0E-991C-872DBB7459A8}" type="datetimeFigureOut">
               <a:rPr lang="da-DK" smtClean="0"/>
-              <a:t>04-09-2022</a:t>
+              <a:t>20-08-2023</a:t>
             </a:fld>
             <a:endParaRPr lang="da-DK"/>
           </a:p>
@@ -423,7 +423,7 @@
           <a:p>
             <a:fld id="{E15B7D8E-2A20-4C0E-991C-872DBB7459A8}" type="datetimeFigureOut">
               <a:rPr lang="da-DK" smtClean="0"/>
-              <a:t>04-09-2022</a:t>
+              <a:t>20-08-2023</a:t>
             </a:fld>
             <a:endParaRPr lang="da-DK"/>
           </a:p>
@@ -601,7 +601,7 @@
           <a:p>
             <a:fld id="{E15B7D8E-2A20-4C0E-991C-872DBB7459A8}" type="datetimeFigureOut">
               <a:rPr lang="da-DK" smtClean="0"/>
-              <a:t>04-09-2022</a:t>
+              <a:t>20-08-2023</a:t>
             </a:fld>
             <a:endParaRPr lang="da-DK"/>
           </a:p>
@@ -769,7 +769,7 @@
           <a:p>
             <a:fld id="{E15B7D8E-2A20-4C0E-991C-872DBB7459A8}" type="datetimeFigureOut">
               <a:rPr lang="da-DK" smtClean="0"/>
-              <a:t>04-09-2022</a:t>
+              <a:t>20-08-2023</a:t>
             </a:fld>
             <a:endParaRPr lang="da-DK"/>
           </a:p>
@@ -1014,7 +1014,7 @@
           <a:p>
             <a:fld id="{E15B7D8E-2A20-4C0E-991C-872DBB7459A8}" type="datetimeFigureOut">
               <a:rPr lang="da-DK" smtClean="0"/>
-              <a:t>04-09-2022</a:t>
+              <a:t>20-08-2023</a:t>
             </a:fld>
             <a:endParaRPr lang="da-DK"/>
           </a:p>
@@ -1243,7 +1243,7 @@
           <a:p>
             <a:fld id="{E15B7D8E-2A20-4C0E-991C-872DBB7459A8}" type="datetimeFigureOut">
               <a:rPr lang="da-DK" smtClean="0"/>
-              <a:t>04-09-2022</a:t>
+              <a:t>20-08-2023</a:t>
             </a:fld>
             <a:endParaRPr lang="da-DK"/>
           </a:p>
@@ -1607,7 +1607,7 @@
           <a:p>
             <a:fld id="{E15B7D8E-2A20-4C0E-991C-872DBB7459A8}" type="datetimeFigureOut">
               <a:rPr lang="da-DK" smtClean="0"/>
-              <a:t>04-09-2022</a:t>
+              <a:t>20-08-2023</a:t>
             </a:fld>
             <a:endParaRPr lang="da-DK"/>
           </a:p>
@@ -1724,7 +1724,7 @@
           <a:p>
             <a:fld id="{E15B7D8E-2A20-4C0E-991C-872DBB7459A8}" type="datetimeFigureOut">
               <a:rPr lang="da-DK" smtClean="0"/>
-              <a:t>04-09-2022</a:t>
+              <a:t>20-08-2023</a:t>
             </a:fld>
             <a:endParaRPr lang="da-DK"/>
           </a:p>
@@ -1819,7 +1819,7 @@
           <a:p>
             <a:fld id="{E15B7D8E-2A20-4C0E-991C-872DBB7459A8}" type="datetimeFigureOut">
               <a:rPr lang="da-DK" smtClean="0"/>
-              <a:t>04-09-2022</a:t>
+              <a:t>20-08-2023</a:t>
             </a:fld>
             <a:endParaRPr lang="da-DK"/>
           </a:p>
@@ -2094,7 +2094,7 @@
           <a:p>
             <a:fld id="{E15B7D8E-2A20-4C0E-991C-872DBB7459A8}" type="datetimeFigureOut">
               <a:rPr lang="da-DK" smtClean="0"/>
-              <a:t>04-09-2022</a:t>
+              <a:t>20-08-2023</a:t>
             </a:fld>
             <a:endParaRPr lang="da-DK"/>
           </a:p>
@@ -2346,7 +2346,7 @@
           <a:p>
             <a:fld id="{E15B7D8E-2A20-4C0E-991C-872DBB7459A8}" type="datetimeFigureOut">
               <a:rPr lang="da-DK" smtClean="0"/>
-              <a:t>04-09-2022</a:t>
+              <a:t>20-08-2023</a:t>
             </a:fld>
             <a:endParaRPr lang="da-DK"/>
           </a:p>
@@ -2557,7 +2557,7 @@
           <a:p>
             <a:fld id="{E15B7D8E-2A20-4C0E-991C-872DBB7459A8}" type="datetimeFigureOut">
               <a:rPr lang="da-DK" smtClean="0"/>
-              <a:t>04-09-2022</a:t>
+              <a:t>20-08-2023</a:t>
             </a:fld>
             <a:endParaRPr lang="da-DK"/>
           </a:p>
@@ -6499,8 +6499,8 @@
         </p:nvSpPr>
         <p:spPr>
           <a:xfrm>
-            <a:off x="9787951" y="2735144"/>
-            <a:ext cx="1028700" cy="986590"/>
+            <a:off x="10141889" y="2926080"/>
+            <a:ext cx="405516" cy="565719"/>
           </a:xfrm>
           <a:prstGeom prst="ellipse">
             <a:avLst/>

--- a/Chap/Start/Presentations/StatementsSyntax.pptx
+++ b/Chap/Start/Presentations/StatementsSyntax.pptx
@@ -16,10 +16,13 @@
     <p:sldId id="317" r:id="rId10"/>
     <p:sldId id="315" r:id="rId11"/>
     <p:sldId id="319" r:id="rId12"/>
-    <p:sldId id="320" r:id="rId13"/>
-    <p:sldId id="322" r:id="rId14"/>
-    <p:sldId id="323" r:id="rId15"/>
-    <p:sldId id="324" r:id="rId16"/>
+    <p:sldId id="325" r:id="rId13"/>
+    <p:sldId id="320" r:id="rId14"/>
+    <p:sldId id="322" r:id="rId15"/>
+    <p:sldId id="326" r:id="rId16"/>
+    <p:sldId id="327" r:id="rId17"/>
+    <p:sldId id="323" r:id="rId18"/>
+    <p:sldId id="324" r:id="rId19"/>
   </p:sldIdLst>
   <p:sldSz cx="12192000" cy="6858000"/>
   <p:notesSz cx="6858000" cy="9144000"/>
@@ -255,7 +258,7 @@
           <a:p>
             <a:fld id="{E15B7D8E-2A20-4C0E-991C-872DBB7459A8}" type="datetimeFigureOut">
               <a:rPr lang="da-DK" smtClean="0"/>
-              <a:t>20-08-2023</a:t>
+              <a:t>23-08-2024</a:t>
             </a:fld>
             <a:endParaRPr lang="da-DK"/>
           </a:p>
@@ -423,7 +426,7 @@
           <a:p>
             <a:fld id="{E15B7D8E-2A20-4C0E-991C-872DBB7459A8}" type="datetimeFigureOut">
               <a:rPr lang="da-DK" smtClean="0"/>
-              <a:t>20-08-2023</a:t>
+              <a:t>23-08-2024</a:t>
             </a:fld>
             <a:endParaRPr lang="da-DK"/>
           </a:p>
@@ -601,7 +604,7 @@
           <a:p>
             <a:fld id="{E15B7D8E-2A20-4C0E-991C-872DBB7459A8}" type="datetimeFigureOut">
               <a:rPr lang="da-DK" smtClean="0"/>
-              <a:t>20-08-2023</a:t>
+              <a:t>23-08-2024</a:t>
             </a:fld>
             <a:endParaRPr lang="da-DK"/>
           </a:p>
@@ -769,7 +772,7 @@
           <a:p>
             <a:fld id="{E15B7D8E-2A20-4C0E-991C-872DBB7459A8}" type="datetimeFigureOut">
               <a:rPr lang="da-DK" smtClean="0"/>
-              <a:t>20-08-2023</a:t>
+              <a:t>23-08-2024</a:t>
             </a:fld>
             <a:endParaRPr lang="da-DK"/>
           </a:p>
@@ -1014,7 +1017,7 @@
           <a:p>
             <a:fld id="{E15B7D8E-2A20-4C0E-991C-872DBB7459A8}" type="datetimeFigureOut">
               <a:rPr lang="da-DK" smtClean="0"/>
-              <a:t>20-08-2023</a:t>
+              <a:t>23-08-2024</a:t>
             </a:fld>
             <a:endParaRPr lang="da-DK"/>
           </a:p>
@@ -1243,7 +1246,7 @@
           <a:p>
             <a:fld id="{E15B7D8E-2A20-4C0E-991C-872DBB7459A8}" type="datetimeFigureOut">
               <a:rPr lang="da-DK" smtClean="0"/>
-              <a:t>20-08-2023</a:t>
+              <a:t>23-08-2024</a:t>
             </a:fld>
             <a:endParaRPr lang="da-DK"/>
           </a:p>
@@ -1607,7 +1610,7 @@
           <a:p>
             <a:fld id="{E15B7D8E-2A20-4C0E-991C-872DBB7459A8}" type="datetimeFigureOut">
               <a:rPr lang="da-DK" smtClean="0"/>
-              <a:t>20-08-2023</a:t>
+              <a:t>23-08-2024</a:t>
             </a:fld>
             <a:endParaRPr lang="da-DK"/>
           </a:p>
@@ -1724,7 +1727,7 @@
           <a:p>
             <a:fld id="{E15B7D8E-2A20-4C0E-991C-872DBB7459A8}" type="datetimeFigureOut">
               <a:rPr lang="da-DK" smtClean="0"/>
-              <a:t>20-08-2023</a:t>
+              <a:t>23-08-2024</a:t>
             </a:fld>
             <a:endParaRPr lang="da-DK"/>
           </a:p>
@@ -1819,7 +1822,7 @@
           <a:p>
             <a:fld id="{E15B7D8E-2A20-4C0E-991C-872DBB7459A8}" type="datetimeFigureOut">
               <a:rPr lang="da-DK" smtClean="0"/>
-              <a:t>20-08-2023</a:t>
+              <a:t>23-08-2024</a:t>
             </a:fld>
             <a:endParaRPr lang="da-DK"/>
           </a:p>
@@ -2094,7 +2097,7 @@
           <a:p>
             <a:fld id="{E15B7D8E-2A20-4C0E-991C-872DBB7459A8}" type="datetimeFigureOut">
               <a:rPr lang="da-DK" smtClean="0"/>
-              <a:t>20-08-2023</a:t>
+              <a:t>23-08-2024</a:t>
             </a:fld>
             <a:endParaRPr lang="da-DK"/>
           </a:p>
@@ -2346,7 +2349,7 @@
           <a:p>
             <a:fld id="{E15B7D8E-2A20-4C0E-991C-872DBB7459A8}" type="datetimeFigureOut">
               <a:rPr lang="da-DK" smtClean="0"/>
-              <a:t>20-08-2023</a:t>
+              <a:t>23-08-2024</a:t>
             </a:fld>
             <a:endParaRPr lang="da-DK"/>
           </a:p>
@@ -2557,7 +2560,7 @@
           <a:p>
             <a:fld id="{E15B7D8E-2A20-4C0E-991C-872DBB7459A8}" type="datetimeFigureOut">
               <a:rPr lang="da-DK" smtClean="0"/>
-              <a:t>20-08-2023</a:t>
+              <a:t>23-08-2024</a:t>
             </a:fld>
             <a:endParaRPr lang="da-DK"/>
           </a:p>
@@ -3794,6 +3797,82 @@
       </p:grpSpPr>
       <p:sp>
         <p:nvSpPr>
+          <p:cNvPr id="6" name="Tekstfelt 5"/>
+          <p:cNvSpPr txBox="1"/>
+          <p:nvPr/>
+        </p:nvSpPr>
+        <p:spPr>
+          <a:xfrm>
+            <a:off x="4586037" y="312820"/>
+            <a:ext cx="2722220" cy="5632311"/>
+          </a:xfrm>
+          <a:prstGeom prst="rect">
+            <a:avLst/>
+          </a:prstGeom>
+          <a:noFill/>
+        </p:spPr>
+        <p:txBody>
+          <a:bodyPr wrap="none" rtlCol="0">
+            <a:spAutoFit/>
+          </a:bodyPr>
+          <a:lstStyle/>
+          <a:p>
+            <a:r>
+              <a:rPr lang="en-US" sz="36000" b="1">
+                <a:latin typeface="Consolas" panose="020B0609020204030204" pitchFamily="49" charset="0"/>
+              </a:rPr>
+              <a:t>.</a:t>
+            </a:r>
+            <a:endParaRPr lang="da-DK" sz="36000">
+              <a:latin typeface="Consolas" panose="020B0609020204030204" pitchFamily="49" charset="0"/>
+            </a:endParaRPr>
+          </a:p>
+        </p:txBody>
+      </p:sp>
+    </p:spTree>
+    <p:extLst>
+      <p:ext uri="{BB962C8B-B14F-4D97-AF65-F5344CB8AC3E}">
+        <p14:creationId xmlns:p14="http://schemas.microsoft.com/office/powerpoint/2010/main" val="637853502"/>
+      </p:ext>
+    </p:extLst>
+  </p:cSld>
+  <p:clrMapOvr>
+    <a:masterClrMapping/>
+  </p:clrMapOvr>
+  <mc:AlternateContent xmlns:mc="http://schemas.openxmlformats.org/markup-compatibility/2006">
+    <mc:Choice xmlns:p14="http://schemas.microsoft.com/office/powerpoint/2010/main" Requires="p14">
+      <p:transition spd="med" p14:dur="700">
+        <p:fade/>
+      </p:transition>
+    </mc:Choice>
+    <mc:Fallback>
+      <p:transition spd="med">
+        <p:fade/>
+      </p:transition>
+    </mc:Fallback>
+  </mc:AlternateContent>
+</p:sld>
+</file>
+
+<file path=ppt/slides/slide13.xml><?xml version="1.0" encoding="utf-8"?>
+<p:sld xmlns:a="http://schemas.openxmlformats.org/drawingml/2006/main" xmlns:r="http://schemas.openxmlformats.org/officeDocument/2006/relationships" xmlns:p="http://schemas.openxmlformats.org/presentationml/2006/main">
+  <p:cSld>
+    <p:spTree>
+      <p:nvGrpSpPr>
+        <p:cNvPr id="1" name=""/>
+        <p:cNvGrpSpPr/>
+        <p:nvPr/>
+      </p:nvGrpSpPr>
+      <p:grpSpPr>
+        <a:xfrm>
+          <a:off x="0" y="0"/>
+          <a:ext cx="0" cy="0"/>
+          <a:chOff x="0" y="0"/>
+          <a:chExt cx="0" cy="0"/>
+        </a:xfrm>
+      </p:grpSpPr>
+      <p:sp>
+        <p:nvSpPr>
           <p:cNvPr id="5" name="Forbudstavle 4"/>
           <p:cNvSpPr/>
           <p:nvPr/>
@@ -4164,7 +4243,7 @@
 </p:sld>
 </file>
 
-<file path=ppt/slides/slide13.xml><?xml version="1.0" encoding="utf-8"?>
+<file path=ppt/slides/slide14.xml><?xml version="1.0" encoding="utf-8"?>
 <p:sld xmlns:a="http://schemas.openxmlformats.org/drawingml/2006/main" xmlns:r="http://schemas.openxmlformats.org/officeDocument/2006/relationships" xmlns:p="http://schemas.openxmlformats.org/presentationml/2006/main">
   <p:cSld>
     <p:spTree>
@@ -4553,7 +4632,481 @@
 </p:sld>
 </file>
 
-<file path=ppt/slides/slide14.xml><?xml version="1.0" encoding="utf-8"?>
+<file path=ppt/slides/slide15.xml><?xml version="1.0" encoding="utf-8"?>
+<p:sld xmlns:a="http://schemas.openxmlformats.org/drawingml/2006/main" xmlns:r="http://schemas.openxmlformats.org/officeDocument/2006/relationships" xmlns:p="http://schemas.openxmlformats.org/presentationml/2006/main">
+  <p:cSld>
+    <p:spTree>
+      <p:nvGrpSpPr>
+        <p:cNvPr id="1" name=""/>
+        <p:cNvGrpSpPr/>
+        <p:nvPr/>
+      </p:nvGrpSpPr>
+      <p:grpSpPr>
+        <a:xfrm>
+          <a:off x="0" y="0"/>
+          <a:ext cx="0" cy="0"/>
+          <a:chOff x="0" y="0"/>
+          <a:chExt cx="0" cy="0"/>
+        </a:xfrm>
+      </p:grpSpPr>
+      <p:sp>
+        <p:nvSpPr>
+          <p:cNvPr id="5" name="Forbudstavle 4"/>
+          <p:cNvSpPr/>
+          <p:nvPr/>
+        </p:nvSpPr>
+        <p:spPr>
+          <a:xfrm>
+            <a:off x="10398203" y="3724289"/>
+            <a:ext cx="900000" cy="900000"/>
+          </a:xfrm>
+          <a:prstGeom prst="noSmoking">
+            <a:avLst/>
+          </a:prstGeom>
+          <a:solidFill>
+            <a:srgbClr val="FF0000"/>
+          </a:solidFill>
+        </p:spPr>
+        <p:style>
+          <a:lnRef idx="2">
+            <a:schemeClr val="accent1">
+              <a:shade val="50000"/>
+            </a:schemeClr>
+          </a:lnRef>
+          <a:fillRef idx="1">
+            <a:schemeClr val="accent1"/>
+          </a:fillRef>
+          <a:effectRef idx="0">
+            <a:schemeClr val="accent1"/>
+          </a:effectRef>
+          <a:fontRef idx="minor">
+            <a:schemeClr val="lt1"/>
+          </a:fontRef>
+        </p:style>
+        <p:txBody>
+          <a:bodyPr rtlCol="0" anchor="ctr"/>
+          <a:lstStyle/>
+          <a:p>
+            <a:pPr algn="ctr"/>
+            <a:endParaRPr lang="da-DK">
+              <a:solidFill>
+                <a:schemeClr val="tx1"/>
+              </a:solidFill>
+            </a:endParaRPr>
+          </a:p>
+        </p:txBody>
+      </p:sp>
+      <p:sp>
+        <p:nvSpPr>
+          <p:cNvPr id="6" name="Tekstfelt 5"/>
+          <p:cNvSpPr txBox="1"/>
+          <p:nvPr/>
+        </p:nvSpPr>
+        <p:spPr>
+          <a:xfrm>
+            <a:off x="1602205" y="2845468"/>
+            <a:ext cx="9049272" cy="646331"/>
+          </a:xfrm>
+          <a:prstGeom prst="rect">
+            <a:avLst/>
+          </a:prstGeom>
+          <a:noFill/>
+        </p:spPr>
+        <p:txBody>
+          <a:bodyPr wrap="none" rtlCol="0">
+            <a:spAutoFit/>
+          </a:bodyPr>
+          <a:lstStyle/>
+          <a:p>
+            <a:r>
+              <a:rPr lang="en-US" sz="3600" b="1" dirty="0" err="1">
+                <a:solidFill>
+                  <a:schemeClr val="accent6">
+                    <a:lumMod val="75000"/>
+                  </a:schemeClr>
+                </a:solidFill>
+                <a:latin typeface="Consolas" panose="020B0609020204030204" pitchFamily="49" charset="0"/>
+              </a:rPr>
+              <a:t>Console</a:t>
+            </a:r>
+            <a:r>
+              <a:rPr lang="en-US" sz="3600" b="1" dirty="0" err="1">
+                <a:latin typeface="Consolas" panose="020B0609020204030204" pitchFamily="49" charset="0"/>
+              </a:rPr>
+              <a:t>.WriteLine</a:t>
+            </a:r>
+            <a:r>
+              <a:rPr lang="en-US" sz="3600" b="1" dirty="0">
+                <a:latin typeface="Consolas" panose="020B0609020204030204" pitchFamily="49" charset="0"/>
+              </a:rPr>
+              <a:t>(</a:t>
+            </a:r>
+            <a:r>
+              <a:rPr lang="en-US" sz="3600" b="1" dirty="0">
+                <a:solidFill>
+                  <a:srgbClr val="C00000"/>
+                </a:solidFill>
+                <a:latin typeface="Consolas" panose="020B0609020204030204" pitchFamily="49" charset="0"/>
+              </a:rPr>
+              <a:t>"Hello, </a:t>
+            </a:r>
+            <a:r>
+              <a:rPr lang="en-US" sz="3600" b="1">
+                <a:solidFill>
+                  <a:srgbClr val="C00000"/>
+                </a:solidFill>
+                <a:latin typeface="Consolas" panose="020B0609020204030204" pitchFamily="49" charset="0"/>
+              </a:rPr>
+              <a:t>World!" </a:t>
+            </a:r>
+            <a:r>
+              <a:rPr lang="en-US" sz="3600" b="1">
+                <a:latin typeface="Consolas" panose="020B0609020204030204" pitchFamily="49" charset="0"/>
+              </a:rPr>
+              <a:t>;</a:t>
+            </a:r>
+            <a:endParaRPr lang="da-DK" sz="3600" dirty="0">
+              <a:latin typeface="Consolas" panose="020B0609020204030204" pitchFamily="49" charset="0"/>
+            </a:endParaRPr>
+          </a:p>
+        </p:txBody>
+      </p:sp>
+      <p:sp>
+        <p:nvSpPr>
+          <p:cNvPr id="4" name="Rektangulær billedforklaring 3"/>
+          <p:cNvSpPr/>
+          <p:nvPr/>
+        </p:nvSpPr>
+        <p:spPr>
+          <a:xfrm>
+            <a:off x="4114799" y="522705"/>
+            <a:ext cx="5119437" cy="1534027"/>
+          </a:xfrm>
+          <a:prstGeom prst="wedgeRectCallout">
+            <a:avLst>
+              <a:gd name="adj1" fmla="val -13077"/>
+              <a:gd name="adj2" fmla="val 83676"/>
+            </a:avLst>
+          </a:prstGeom>
+          <a:solidFill>
+            <a:schemeClr val="bg1">
+              <a:lumMod val="85000"/>
+            </a:schemeClr>
+          </a:solidFill>
+        </p:spPr>
+        <p:style>
+          <a:lnRef idx="2">
+            <a:schemeClr val="accent1">
+              <a:shade val="50000"/>
+            </a:schemeClr>
+          </a:lnRef>
+          <a:fillRef idx="1">
+            <a:schemeClr val="accent1"/>
+          </a:fillRef>
+          <a:effectRef idx="0">
+            <a:schemeClr val="accent1"/>
+          </a:effectRef>
+          <a:fontRef idx="minor">
+            <a:schemeClr val="lt1"/>
+          </a:fontRef>
+        </p:style>
+        <p:txBody>
+          <a:bodyPr rtlCol="0" anchor="t"/>
+          <a:lstStyle/>
+          <a:p>
+            <a:r>
+              <a:rPr lang="da-DK" sz="3600" b="1" dirty="0">
+                <a:solidFill>
+                  <a:schemeClr val="tx1"/>
+                </a:solidFill>
+              </a:rPr>
+              <a:t>Write the </a:t>
+            </a:r>
+            <a:r>
+              <a:rPr lang="da-DK" sz="3600" b="1" dirty="0" err="1">
+                <a:solidFill>
+                  <a:schemeClr val="tx1"/>
+                </a:solidFill>
+              </a:rPr>
+              <a:t>words</a:t>
+            </a:r>
+            <a:r>
+              <a:rPr lang="da-DK" sz="3600" b="1" dirty="0">
+                <a:solidFill>
+                  <a:schemeClr val="tx1"/>
+                </a:solidFill>
+              </a:rPr>
+              <a:t> </a:t>
+            </a:r>
+            <a:r>
+              <a:rPr lang="da-DK" sz="3600" b="1" i="1" dirty="0">
+                <a:solidFill>
+                  <a:srgbClr val="C00000"/>
+                </a:solidFill>
+              </a:rPr>
+              <a:t>”</a:t>
+            </a:r>
+            <a:r>
+              <a:rPr lang="da-DK" sz="3600" b="1" i="1" dirty="0" err="1">
+                <a:solidFill>
+                  <a:srgbClr val="C00000"/>
+                </a:solidFill>
+              </a:rPr>
+              <a:t>Hello</a:t>
+            </a:r>
+            <a:r>
+              <a:rPr lang="da-DK" sz="3600" b="1" i="1" dirty="0">
+                <a:solidFill>
+                  <a:srgbClr val="C00000"/>
+                </a:solidFill>
+              </a:rPr>
+              <a:t>, World!” </a:t>
+            </a:r>
+            <a:r>
+              <a:rPr lang="da-DK" sz="3600" b="1" dirty="0">
+                <a:solidFill>
+                  <a:schemeClr val="tx1"/>
+                </a:solidFill>
+              </a:rPr>
+              <a:t>on the screen</a:t>
+            </a:r>
+          </a:p>
+        </p:txBody>
+      </p:sp>
+      <p:sp>
+        <p:nvSpPr>
+          <p:cNvPr id="7" name="Ellipse 6"/>
+          <p:cNvSpPr/>
+          <p:nvPr/>
+        </p:nvSpPr>
+        <p:spPr>
+          <a:xfrm>
+            <a:off x="9561095" y="2675338"/>
+            <a:ext cx="1028700" cy="986590"/>
+          </a:xfrm>
+          <a:prstGeom prst="ellipse">
+            <a:avLst/>
+          </a:prstGeom>
+          <a:noFill/>
+          <a:ln w="76200">
+            <a:solidFill>
+              <a:srgbClr val="FF0000"/>
+            </a:solidFill>
+          </a:ln>
+        </p:spPr>
+        <p:style>
+          <a:lnRef idx="2">
+            <a:schemeClr val="accent1">
+              <a:shade val="50000"/>
+            </a:schemeClr>
+          </a:lnRef>
+          <a:fillRef idx="1">
+            <a:schemeClr val="accent1"/>
+          </a:fillRef>
+          <a:effectRef idx="0">
+            <a:schemeClr val="accent1"/>
+          </a:effectRef>
+          <a:fontRef idx="minor">
+            <a:schemeClr val="lt1"/>
+          </a:fontRef>
+        </p:style>
+        <p:txBody>
+          <a:bodyPr rtlCol="0" anchor="ctr"/>
+          <a:lstStyle/>
+          <a:p>
+            <a:pPr algn="ctr"/>
+            <a:endParaRPr lang="da-DK"/>
+          </a:p>
+        </p:txBody>
+      </p:sp>
+    </p:spTree>
+    <p:extLst>
+      <p:ext uri="{BB962C8B-B14F-4D97-AF65-F5344CB8AC3E}">
+        <p14:creationId xmlns:p14="http://schemas.microsoft.com/office/powerpoint/2010/main" val="1477876890"/>
+      </p:ext>
+    </p:extLst>
+  </p:cSld>
+  <p:clrMapOvr>
+    <a:masterClrMapping/>
+  </p:clrMapOvr>
+  <mc:AlternateContent xmlns:mc="http://schemas.openxmlformats.org/markup-compatibility/2006" xmlns:p14="http://schemas.microsoft.com/office/powerpoint/2010/main">
+    <mc:Choice Requires="p14">
+      <p:transition spd="med" p14:dur="700">
+        <p:fade/>
+      </p:transition>
+    </mc:Choice>
+    <mc:Fallback xmlns="">
+      <p:transition spd="med">
+        <p:fade/>
+      </p:transition>
+    </mc:Fallback>
+  </mc:AlternateContent>
+  <p:timing>
+    <p:tnLst>
+      <p:par>
+        <p:cTn id="1" dur="indefinite" restart="never" nodeType="tmRoot">
+          <p:childTnLst>
+            <p:seq concurrent="1" nextAc="seek">
+              <p:cTn id="2" dur="indefinite" nodeType="mainSeq">
+                <p:childTnLst>
+                  <p:par>
+                    <p:cTn id="3" fill="hold">
+                      <p:stCondLst>
+                        <p:cond delay="indefinite"/>
+                      </p:stCondLst>
+                      <p:childTnLst>
+                        <p:par>
+                          <p:cTn id="4" fill="hold">
+                            <p:stCondLst>
+                              <p:cond delay="0"/>
+                            </p:stCondLst>
+                            <p:childTnLst>
+                              <p:par>
+                                <p:cTn id="5" presetID="10" presetClass="entr" presetSubtype="0" fill="hold" grpId="0" nodeType="clickEffect">
+                                  <p:stCondLst>
+                                    <p:cond delay="0"/>
+                                  </p:stCondLst>
+                                  <p:childTnLst>
+                                    <p:set>
+                                      <p:cBhvr>
+                                        <p:cTn id="6" dur="1" fill="hold">
+                                          <p:stCondLst>
+                                            <p:cond delay="0"/>
+                                          </p:stCondLst>
+                                        </p:cTn>
+                                        <p:tgtEl>
+                                          <p:spTgt spid="7"/>
+                                        </p:tgtEl>
+                                        <p:attrNameLst>
+                                          <p:attrName>style.visibility</p:attrName>
+                                        </p:attrNameLst>
+                                      </p:cBhvr>
+                                      <p:to>
+                                        <p:strVal val="visible"/>
+                                      </p:to>
+                                    </p:set>
+                                    <p:animEffect transition="in" filter="fade">
+                                      <p:cBhvr>
+                                        <p:cTn id="7" dur="500"/>
+                                        <p:tgtEl>
+                                          <p:spTgt spid="7"/>
+                                        </p:tgtEl>
+                                      </p:cBhvr>
+                                    </p:animEffect>
+                                  </p:childTnLst>
+                                </p:cTn>
+                              </p:par>
+                            </p:childTnLst>
+                          </p:cTn>
+                        </p:par>
+                      </p:childTnLst>
+                    </p:cTn>
+                  </p:par>
+                </p:childTnLst>
+              </p:cTn>
+              <p:prevCondLst>
+                <p:cond evt="onPrev" delay="0">
+                  <p:tgtEl>
+                    <p:sldTgt/>
+                  </p:tgtEl>
+                </p:cond>
+              </p:prevCondLst>
+              <p:nextCondLst>
+                <p:cond evt="onNext" delay="0">
+                  <p:tgtEl>
+                    <p:sldTgt/>
+                  </p:tgtEl>
+                </p:cond>
+              </p:nextCondLst>
+            </p:seq>
+          </p:childTnLst>
+        </p:cTn>
+      </p:par>
+    </p:tnLst>
+    <p:bldLst>
+      <p:bldP spid="7" grpId="0" animBg="1"/>
+    </p:bldLst>
+  </p:timing>
+</p:sld>
+</file>
+
+<file path=ppt/slides/slide16.xml><?xml version="1.0" encoding="utf-8"?>
+<p:sld xmlns:a="http://schemas.openxmlformats.org/drawingml/2006/main" xmlns:r="http://schemas.openxmlformats.org/officeDocument/2006/relationships" xmlns:p="http://schemas.openxmlformats.org/presentationml/2006/main">
+  <p:cSld>
+    <p:spTree>
+      <p:nvGrpSpPr>
+        <p:cNvPr id="1" name=""/>
+        <p:cNvGrpSpPr/>
+        <p:nvPr/>
+      </p:nvGrpSpPr>
+      <p:grpSpPr>
+        <a:xfrm>
+          <a:off x="0" y="0"/>
+          <a:ext cx="0" cy="0"/>
+          <a:chOff x="0" y="0"/>
+          <a:chExt cx="0" cy="0"/>
+        </a:xfrm>
+      </p:grpSpPr>
+      <p:sp>
+        <p:nvSpPr>
+          <p:cNvPr id="6" name="Tekstfelt 5"/>
+          <p:cNvSpPr txBox="1"/>
+          <p:nvPr/>
+        </p:nvSpPr>
+        <p:spPr>
+          <a:xfrm>
+            <a:off x="2041620" y="324746"/>
+            <a:ext cx="7797327" cy="5632311"/>
+          </a:xfrm>
+          <a:prstGeom prst="rect">
+            <a:avLst/>
+          </a:prstGeom>
+          <a:noFill/>
+        </p:spPr>
+        <p:txBody>
+          <a:bodyPr wrap="none" rtlCol="0">
+            <a:spAutoFit/>
+          </a:bodyPr>
+          <a:lstStyle/>
+          <a:p>
+            <a:r>
+              <a:rPr lang="en-US" sz="36000" b="1">
+                <a:latin typeface="Consolas" panose="020B0609020204030204" pitchFamily="49" charset="0"/>
+              </a:rPr>
+              <a:t>( )</a:t>
+            </a:r>
+            <a:endParaRPr lang="da-DK" sz="36000">
+              <a:latin typeface="Consolas" panose="020B0609020204030204" pitchFamily="49" charset="0"/>
+            </a:endParaRPr>
+          </a:p>
+        </p:txBody>
+      </p:sp>
+    </p:spTree>
+    <p:extLst>
+      <p:ext uri="{BB962C8B-B14F-4D97-AF65-F5344CB8AC3E}">
+        <p14:creationId xmlns:p14="http://schemas.microsoft.com/office/powerpoint/2010/main" val="410975728"/>
+      </p:ext>
+    </p:extLst>
+  </p:cSld>
+  <p:clrMapOvr>
+    <a:masterClrMapping/>
+  </p:clrMapOvr>
+  <mc:AlternateContent xmlns:mc="http://schemas.openxmlformats.org/markup-compatibility/2006">
+    <mc:Choice xmlns:p14="http://schemas.microsoft.com/office/powerpoint/2010/main" Requires="p14">
+      <p:transition spd="med" p14:dur="700">
+        <p:fade/>
+      </p:transition>
+    </mc:Choice>
+    <mc:Fallback>
+      <p:transition spd="med">
+        <p:fade/>
+      </p:transition>
+    </mc:Fallback>
+  </mc:AlternateContent>
+</p:sld>
+</file>
+
+<file path=ppt/slides/slide17.xml><?xml version="1.0" encoding="utf-8"?>
 <p:sld xmlns:a="http://schemas.openxmlformats.org/drawingml/2006/main" xmlns:r="http://schemas.openxmlformats.org/officeDocument/2006/relationships" xmlns:p="http://schemas.openxmlformats.org/presentationml/2006/main">
   <p:cSld>
     <p:spTree>
@@ -5010,7 +5563,7 @@
 </p:sld>
 </file>
 
-<file path=ppt/slides/slide15.xml><?xml version="1.0" encoding="utf-8"?>
+<file path=ppt/slides/slide18.xml><?xml version="1.0" encoding="utf-8"?>
 <p:sld xmlns:a="http://schemas.openxmlformats.org/drawingml/2006/main" xmlns:r="http://schemas.openxmlformats.org/officeDocument/2006/relationships" xmlns:p="http://schemas.openxmlformats.org/presentationml/2006/main">
   <p:cSld>
     <p:spTree>
@@ -6588,7 +7141,7 @@
         <p:spPr>
           <a:xfrm>
             <a:off x="4586037" y="312820"/>
-            <a:ext cx="2215671" cy="4524315"/>
+            <a:ext cx="2722220" cy="5632311"/>
           </a:xfrm>
           <a:prstGeom prst="rect">
             <a:avLst/>
@@ -6602,12 +7155,12 @@
           <a:lstStyle/>
           <a:p>
             <a:r>
-              <a:rPr lang="en-US" sz="28800" b="1">
+              <a:rPr lang="en-US" sz="36000" b="1">
                 <a:latin typeface="Consolas" panose="020B0609020204030204" pitchFamily="49" charset="0"/>
               </a:rPr>
               <a:t>;</a:t>
             </a:r>
-            <a:endParaRPr lang="da-DK" sz="28800">
+            <a:endParaRPr lang="da-DK" sz="36000">
               <a:latin typeface="Consolas" panose="020B0609020204030204" pitchFamily="49" charset="0"/>
             </a:endParaRPr>
           </a:p>
@@ -6623,6 +7176,18 @@
   <p:clrMapOvr>
     <a:masterClrMapping/>
   </p:clrMapOvr>
+  <mc:AlternateContent xmlns:mc="http://schemas.openxmlformats.org/markup-compatibility/2006">
+    <mc:Choice xmlns:p14="http://schemas.microsoft.com/office/powerpoint/2010/main" Requires="p14">
+      <p:transition spd="med" p14:dur="700">
+        <p:fade/>
+      </p:transition>
+    </mc:Choice>
+    <mc:Fallback>
+      <p:transition spd="med">
+        <p:fade/>
+      </p:transition>
+    </mc:Fallback>
+  </mc:AlternateContent>
 </p:sld>
 </file>
 
@@ -6862,6 +7427,18 @@
   <p:clrMapOvr>
     <a:masterClrMapping/>
   </p:clrMapOvr>
+  <mc:AlternateContent xmlns:mc="http://schemas.openxmlformats.org/markup-compatibility/2006">
+    <mc:Choice xmlns:p14="http://schemas.microsoft.com/office/powerpoint/2010/main" Requires="p14">
+      <p:transition spd="med" p14:dur="700">
+        <p:fade/>
+      </p:transition>
+    </mc:Choice>
+    <mc:Fallback>
+      <p:transition spd="med">
+        <p:fade/>
+      </p:transition>
+    </mc:Fallback>
+  </mc:AlternateContent>
   <p:timing>
     <p:tnLst>
       <p:par>
